--- a/Bus Boys.pptx
+++ b/Bus Boys.pptx
@@ -6,17 +6,17 @@
   </p:sldMasterIdLst>
   <p:sldIdLst>
     <p:sldId id="256" r:id="rId2"/>
-    <p:sldId id="257" r:id="rId3"/>
-    <p:sldId id="258" r:id="rId4"/>
-    <p:sldId id="260" r:id="rId5"/>
-    <p:sldId id="267" r:id="rId6"/>
-    <p:sldId id="261" r:id="rId7"/>
-    <p:sldId id="262" r:id="rId8"/>
-    <p:sldId id="263" r:id="rId9"/>
-    <p:sldId id="264" r:id="rId10"/>
-    <p:sldId id="259" r:id="rId11"/>
-    <p:sldId id="265" r:id="rId12"/>
-    <p:sldId id="266" r:id="rId13"/>
+    <p:sldId id="265" r:id="rId3"/>
+    <p:sldId id="266" r:id="rId4"/>
+    <p:sldId id="257" r:id="rId5"/>
+    <p:sldId id="258" r:id="rId6"/>
+    <p:sldId id="260" r:id="rId7"/>
+    <p:sldId id="267" r:id="rId8"/>
+    <p:sldId id="261" r:id="rId9"/>
+    <p:sldId id="262" r:id="rId10"/>
+    <p:sldId id="263" r:id="rId11"/>
+    <p:sldId id="264" r:id="rId12"/>
+    <p:sldId id="259" r:id="rId13"/>
   </p:sldIdLst>
   <p:sldSz cx="12192000" cy="6858000"/>
   <p:notesSz cx="6858000" cy="9144000"/>
@@ -5918,7 +5918,7 @@
           <p:cNvPr id="2" name="Title 1">
             <a:extLst>
               <a:ext uri="{FF2B5EF4-FFF2-40B4-BE49-F238E27FC236}">
-                <a16:creationId xmlns:a16="http://schemas.microsoft.com/office/drawing/2014/main" id="{9B8F6F0C-3FDD-4F2E-8B05-08B7D42C96A5}"/>
+                <a16:creationId xmlns:a16="http://schemas.microsoft.com/office/drawing/2014/main" id="{17A5973E-93F3-4A67-94C6-13130B6BEAAC}"/>
               </a:ext>
             </a:extLst>
           </p:cNvPr>
@@ -5936,126 +5936,62 @@
           <a:p>
             <a:r>
               <a:rPr lang="en-US" dirty="0"/>
-              <a:t>Sources</a:t>
-            </a:r>
-          </a:p>
-        </p:txBody>
-      </p:sp>
-      <p:sp>
-        <p:nvSpPr>
-          <p:cNvPr id="3" name="Content Placeholder 2">
+              <a:t>IntelliJ IDEA Community</a:t>
+            </a:r>
+          </a:p>
+        </p:txBody>
+      </p:sp>
+      <p:pic>
+        <p:nvPicPr>
+          <p:cNvPr id="6146" name="Picture 2" descr="https://pbs.twimg.com/profile_images/803204448675856388/6eqoPNuy.jpg">
             <a:extLst>
               <a:ext uri="{FF2B5EF4-FFF2-40B4-BE49-F238E27FC236}">
-                <a16:creationId xmlns:a16="http://schemas.microsoft.com/office/drawing/2014/main" id="{DF21371A-D41B-4118-B2DC-7E0659BAA368}"/>
+                <a16:creationId xmlns:a16="http://schemas.microsoft.com/office/drawing/2014/main" id="{85DBE8BA-D23E-4033-8C6B-9D54BF51D4B9}"/>
               </a:ext>
             </a:extLst>
           </p:cNvPr>
-          <p:cNvSpPr>
-            <a:spLocks noGrp="1"/>
-          </p:cNvSpPr>
-          <p:nvPr>
-            <p:ph idx="1"/>
-          </p:nvPr>
-        </p:nvSpPr>
-        <p:spPr/>
-        <p:txBody>
-          <a:bodyPr>
-            <a:normAutofit fontScale="70000" lnSpcReduction="20000"/>
-          </a:bodyPr>
-          <a:lstStyle/>
-          <a:p>
-            <a:r>
-              <a:rPr lang="en-US" dirty="0">
-                <a:hlinkClick r:id="rId2"/>
-              </a:rPr>
-              <a:t>http://www.channelfutures.com/sites/mspmentor.net/files/uploads/2015/07/Sales-Drop.jpg</a:t>
-            </a:r>
-            <a:endParaRPr lang="en-US" dirty="0"/>
-          </a:p>
-          <a:p>
-            <a:r>
-              <a:rPr lang="en-US" dirty="0">
-                <a:hlinkClick r:id="rId3"/>
-              </a:rPr>
-              <a:t>http://www.quickanddirtytips.com/sites/default/files/images/2499/question-mark2.jpg</a:t>
-            </a:r>
-            <a:endParaRPr lang="en-US" dirty="0"/>
-          </a:p>
-          <a:p>
-            <a:r>
-              <a:rPr lang="en-US" dirty="0">
-                <a:hlinkClick r:id="rId4"/>
-              </a:rPr>
-              <a:t>https://www.visioncritical.com/wp-content/uploads/2015/12/tech-companies-resources-950x700.jpg</a:t>
-            </a:r>
-            <a:endParaRPr lang="en-US" dirty="0"/>
-          </a:p>
-          <a:p>
-            <a:r>
-              <a:rPr lang="en-US" dirty="0">
-                <a:hlinkClick r:id="rId5"/>
-              </a:rPr>
-              <a:t>https://i.pinimg.com/736x/b5/c6/cc/b5c6cc58c01357bb94e6eabb129215c3.jpg</a:t>
-            </a:r>
-            <a:r>
-              <a:rPr lang="en-US" dirty="0"/>
-              <a:t> </a:t>
-            </a:r>
-          </a:p>
-          <a:p>
-            <a:r>
-              <a:rPr lang="en-US" dirty="0">
-                <a:hlinkClick r:id="rId6"/>
-              </a:rPr>
-              <a:t>http://osx.wdfiles.com/local--files/icon:mysqlworkbench/MySQLWorkbench.png</a:t>
-            </a:r>
-            <a:endParaRPr lang="en-US" dirty="0"/>
-          </a:p>
-          <a:p>
-            <a:r>
-              <a:rPr lang="en-US" dirty="0">
-                <a:hlinkClick r:id="rId7"/>
-              </a:rPr>
-              <a:t>https://pbs.twimg.com/profile_images/803204448675856388/6eqoPNuy.jpg</a:t>
-            </a:r>
-            <a:endParaRPr lang="en-US" dirty="0"/>
-          </a:p>
-          <a:p>
-            <a:r>
-              <a:rPr lang="en-US" dirty="0">
-                <a:hlinkClick r:id="rId8"/>
-              </a:rPr>
-              <a:t>https://i.pinimg.com/736x/f7/2a/9d/f72a9dd93af69e6df26cd910f463a74d--happy-puppy-happy-dogs.jpg</a:t>
-            </a:r>
-            <a:endParaRPr lang="en-US" dirty="0"/>
-          </a:p>
-          <a:p>
-            <a:r>
-              <a:rPr lang="en-US">
-                <a:hlinkClick r:id="rId9"/>
-              </a:rPr>
-              <a:t>https://az616578.vo.msecnd.net/files/2016/08/28/636080098544367529518695297_confused1.jpeg</a:t>
-            </a:r>
-            <a:endParaRPr lang="en-US"/>
-          </a:p>
-          <a:p>
-            <a:endParaRPr lang="en-US" dirty="0"/>
-          </a:p>
-          <a:p>
-            <a:endParaRPr lang="en-US" dirty="0"/>
-          </a:p>
-          <a:p>
-            <a:endParaRPr lang="en-US" dirty="0"/>
-          </a:p>
-          <a:p>
-            <a:endParaRPr lang="en-US" dirty="0"/>
-          </a:p>
-        </p:txBody>
-      </p:sp>
+          <p:cNvPicPr>
+            <a:picLocks noChangeAspect="1" noChangeArrowheads="1"/>
+          </p:cNvPicPr>
+          <p:nvPr/>
+        </p:nvPicPr>
+        <p:blipFill>
+          <a:blip r:embed="rId2">
+            <a:extLst>
+              <a:ext uri="{28A0092B-C50C-407E-A947-70E740481C1C}">
+                <a14:useLocalDpi xmlns:a14="http://schemas.microsoft.com/office/drawing/2010/main" val="0"/>
+              </a:ext>
+            </a:extLst>
+          </a:blip>
+          <a:srcRect/>
+          <a:stretch>
+            <a:fillRect/>
+          </a:stretch>
+        </p:blipFill>
+        <p:spPr bwMode="auto">
+          <a:xfrm>
+            <a:off x="4357687" y="2609849"/>
+            <a:ext cx="3476625" cy="3476625"/>
+          </a:xfrm>
+          <a:prstGeom prst="rect">
+            <a:avLst/>
+          </a:prstGeom>
+          <a:noFill/>
+          <a:extLst>
+            <a:ext uri="{909E8E84-426E-40DD-AFC4-6F175D3DCCD1}">
+              <a14:hiddenFill xmlns:a14="http://schemas.microsoft.com/office/drawing/2010/main">
+                <a:solidFill>
+                  <a:srgbClr val="FFFFFF"/>
+                </a:solidFill>
+              </a14:hiddenFill>
+            </a:ext>
+          </a:extLst>
+        </p:spPr>
+      </p:pic>
     </p:spTree>
     <p:extLst>
       <p:ext uri="{BB962C8B-B14F-4D97-AF65-F5344CB8AC3E}">
-        <p14:creationId xmlns:p14="http://schemas.microsoft.com/office/powerpoint/2010/main" val="1227827769"/>
+        <p14:creationId xmlns:p14="http://schemas.microsoft.com/office/powerpoint/2010/main" val="690931227"/>
       </p:ext>
     </p:extLst>
   </p:cSld>
@@ -6087,7 +6023,7 @@
           <p:cNvPr id="2" name="Title 1">
             <a:extLst>
               <a:ext uri="{FF2B5EF4-FFF2-40B4-BE49-F238E27FC236}">
-                <a16:creationId xmlns:a16="http://schemas.microsoft.com/office/drawing/2014/main" id="{7F9A64A5-4FFE-49F4-9D7A-6EAE7DFD7EAC}"/>
+                <a16:creationId xmlns:a16="http://schemas.microsoft.com/office/drawing/2014/main" id="{0BA865E3-419F-4371-A42F-4D7FC3393DEB}"/>
               </a:ext>
             </a:extLst>
           </p:cNvPr>
@@ -6105,55 +6041,62 @@
           <a:p>
             <a:r>
               <a:rPr lang="en-US" dirty="0"/>
-              <a:t>Requirements</a:t>
-            </a:r>
-          </a:p>
-        </p:txBody>
-      </p:sp>
-      <p:sp>
-        <p:nvSpPr>
-          <p:cNvPr id="3" name="Content Placeholder 2">
+              <a:t>Get Ready to be Wowed !!!</a:t>
+            </a:r>
+          </a:p>
+        </p:txBody>
+      </p:sp>
+      <p:pic>
+        <p:nvPicPr>
+          <p:cNvPr id="7170" name="Picture 2" descr="https://i.pinimg.com/736x/f7/2a/9d/f72a9dd93af69e6df26cd910f463a74d--happy-puppy-happy-dogs.jpg">
             <a:extLst>
               <a:ext uri="{FF2B5EF4-FFF2-40B4-BE49-F238E27FC236}">
-                <a16:creationId xmlns:a16="http://schemas.microsoft.com/office/drawing/2014/main" id="{607C40ED-579D-48D8-91B3-0EB769B5CD6B}"/>
+                <a16:creationId xmlns:a16="http://schemas.microsoft.com/office/drawing/2014/main" id="{3CA5F437-D44A-4ACB-AA05-5AB4A2C67791}"/>
               </a:ext>
             </a:extLst>
           </p:cNvPr>
-          <p:cNvSpPr>
-            <a:spLocks noGrp="1"/>
-          </p:cNvSpPr>
-          <p:nvPr>
-            <p:ph idx="1"/>
-          </p:nvPr>
-        </p:nvSpPr>
-        <p:spPr/>
-        <p:txBody>
-          <a:bodyPr/>
-          <a:lstStyle/>
-          <a:p>
-            <a:r>
-              <a:rPr lang="en-US" dirty="0"/>
-              <a:t>Employee Accounts: to see individual employee’s information</a:t>
-            </a:r>
-          </a:p>
-          <a:p>
-            <a:r>
-              <a:rPr lang="en-US" dirty="0"/>
-              <a:t>Supervisor Accounts: to see Supervisor information and to split up the types of employees that work for him by job.</a:t>
-            </a:r>
-          </a:p>
-          <a:p>
-            <a:r>
-              <a:rPr lang="en-US" dirty="0"/>
-              <a:t>Administrator Account: Able to add vehicles and delete vehicles. Able to add employees and delete employees.</a:t>
-            </a:r>
-          </a:p>
-        </p:txBody>
-      </p:sp>
+          <p:cNvPicPr>
+            <a:picLocks noChangeAspect="1" noChangeArrowheads="1"/>
+          </p:cNvPicPr>
+          <p:nvPr/>
+        </p:nvPicPr>
+        <p:blipFill>
+          <a:blip r:embed="rId2">
+            <a:extLst>
+              <a:ext uri="{28A0092B-C50C-407E-A947-70E740481C1C}">
+                <a14:useLocalDpi xmlns:a14="http://schemas.microsoft.com/office/drawing/2010/main" val="0"/>
+              </a:ext>
+            </a:extLst>
+          </a:blip>
+          <a:srcRect/>
+          <a:stretch>
+            <a:fillRect/>
+          </a:stretch>
+        </p:blipFill>
+        <p:spPr bwMode="auto">
+          <a:xfrm>
+            <a:off x="4765622" y="2476500"/>
+            <a:ext cx="2660756" cy="3543300"/>
+          </a:xfrm>
+          <a:prstGeom prst="rect">
+            <a:avLst/>
+          </a:prstGeom>
+          <a:noFill/>
+          <a:extLst>
+            <a:ext uri="{909E8E84-426E-40DD-AFC4-6F175D3DCCD1}">
+              <a14:hiddenFill xmlns:a14="http://schemas.microsoft.com/office/drawing/2010/main">
+                <a:solidFill>
+                  <a:srgbClr val="FFFFFF"/>
+                </a:solidFill>
+              </a14:hiddenFill>
+            </a:ext>
+          </a:extLst>
+        </p:spPr>
+      </p:pic>
     </p:spTree>
     <p:extLst>
       <p:ext uri="{BB962C8B-B14F-4D97-AF65-F5344CB8AC3E}">
-        <p14:creationId xmlns:p14="http://schemas.microsoft.com/office/powerpoint/2010/main" val="919829443"/>
+        <p14:creationId xmlns:p14="http://schemas.microsoft.com/office/powerpoint/2010/main" val="1185581462"/>
       </p:ext>
     </p:extLst>
   </p:cSld>
@@ -6185,6 +6128,273 @@
           <p:cNvPr id="2" name="Title 1">
             <a:extLst>
               <a:ext uri="{FF2B5EF4-FFF2-40B4-BE49-F238E27FC236}">
+                <a16:creationId xmlns:a16="http://schemas.microsoft.com/office/drawing/2014/main" id="{9B8F6F0C-3FDD-4F2E-8B05-08B7D42C96A5}"/>
+              </a:ext>
+            </a:extLst>
+          </p:cNvPr>
+          <p:cNvSpPr>
+            <a:spLocks noGrp="1"/>
+          </p:cNvSpPr>
+          <p:nvPr>
+            <p:ph type="title"/>
+          </p:nvPr>
+        </p:nvSpPr>
+        <p:spPr/>
+        <p:txBody>
+          <a:bodyPr/>
+          <a:lstStyle/>
+          <a:p>
+            <a:r>
+              <a:rPr lang="en-US" dirty="0"/>
+              <a:t>Sources</a:t>
+            </a:r>
+          </a:p>
+        </p:txBody>
+      </p:sp>
+      <p:sp>
+        <p:nvSpPr>
+          <p:cNvPr id="3" name="Content Placeholder 2">
+            <a:extLst>
+              <a:ext uri="{FF2B5EF4-FFF2-40B4-BE49-F238E27FC236}">
+                <a16:creationId xmlns:a16="http://schemas.microsoft.com/office/drawing/2014/main" id="{DF21371A-D41B-4118-B2DC-7E0659BAA368}"/>
+              </a:ext>
+            </a:extLst>
+          </p:cNvPr>
+          <p:cNvSpPr>
+            <a:spLocks noGrp="1"/>
+          </p:cNvSpPr>
+          <p:nvPr>
+            <p:ph idx="1"/>
+          </p:nvPr>
+        </p:nvSpPr>
+        <p:spPr/>
+        <p:txBody>
+          <a:bodyPr>
+            <a:normAutofit fontScale="70000" lnSpcReduction="20000"/>
+          </a:bodyPr>
+          <a:lstStyle/>
+          <a:p>
+            <a:r>
+              <a:rPr lang="en-US" dirty="0">
+                <a:hlinkClick r:id="rId2"/>
+              </a:rPr>
+              <a:t>http://www.channelfutures.com/sites/mspmentor.net/files/uploads/2015/07/Sales-Drop.jpg</a:t>
+            </a:r>
+            <a:endParaRPr lang="en-US" dirty="0"/>
+          </a:p>
+          <a:p>
+            <a:r>
+              <a:rPr lang="en-US" dirty="0">
+                <a:hlinkClick r:id="rId3"/>
+              </a:rPr>
+              <a:t>http://www.quickanddirtytips.com/sites/default/files/images/2499/question-mark2.jpg</a:t>
+            </a:r>
+            <a:endParaRPr lang="en-US" dirty="0"/>
+          </a:p>
+          <a:p>
+            <a:r>
+              <a:rPr lang="en-US" dirty="0">
+                <a:hlinkClick r:id="rId4"/>
+              </a:rPr>
+              <a:t>https://www.visioncritical.com/wp-content/uploads/2015/12/tech-companies-resources-950x700.jpg</a:t>
+            </a:r>
+            <a:endParaRPr lang="en-US" dirty="0"/>
+          </a:p>
+          <a:p>
+            <a:r>
+              <a:rPr lang="en-US" dirty="0">
+                <a:hlinkClick r:id="rId5"/>
+              </a:rPr>
+              <a:t>https://i.pinimg.com/736x/b5/c6/cc/b5c6cc58c01357bb94e6eabb129215c3.jpg</a:t>
+            </a:r>
+            <a:r>
+              <a:rPr lang="en-US" dirty="0"/>
+              <a:t> </a:t>
+            </a:r>
+          </a:p>
+          <a:p>
+            <a:r>
+              <a:rPr lang="en-US" dirty="0">
+                <a:hlinkClick r:id="rId6"/>
+              </a:rPr>
+              <a:t>http://osx.wdfiles.com/local--files/icon:mysqlworkbench/MySQLWorkbench.png</a:t>
+            </a:r>
+            <a:endParaRPr lang="en-US" dirty="0"/>
+          </a:p>
+          <a:p>
+            <a:r>
+              <a:rPr lang="en-US" dirty="0">
+                <a:hlinkClick r:id="rId7"/>
+              </a:rPr>
+              <a:t>https://pbs.twimg.com/profile_images/803204448675856388/6eqoPNuy.jpg</a:t>
+            </a:r>
+            <a:endParaRPr lang="en-US" dirty="0"/>
+          </a:p>
+          <a:p>
+            <a:r>
+              <a:rPr lang="en-US" dirty="0">
+                <a:hlinkClick r:id="rId8"/>
+              </a:rPr>
+              <a:t>https://i.pinimg.com/736x/f7/2a/9d/f72a9dd93af69e6df26cd910f463a74d--happy-puppy-happy-dogs.jpg</a:t>
+            </a:r>
+            <a:endParaRPr lang="en-US" dirty="0"/>
+          </a:p>
+          <a:p>
+            <a:r>
+              <a:rPr lang="en-US">
+                <a:hlinkClick r:id="rId9"/>
+              </a:rPr>
+              <a:t>https://az616578.vo.msecnd.net/files/2016/08/28/636080098544367529518695297_confused1.jpeg</a:t>
+            </a:r>
+            <a:endParaRPr lang="en-US"/>
+          </a:p>
+          <a:p>
+            <a:endParaRPr lang="en-US" dirty="0"/>
+          </a:p>
+          <a:p>
+            <a:endParaRPr lang="en-US" dirty="0"/>
+          </a:p>
+          <a:p>
+            <a:endParaRPr lang="en-US" dirty="0"/>
+          </a:p>
+          <a:p>
+            <a:endParaRPr lang="en-US" dirty="0"/>
+          </a:p>
+        </p:txBody>
+      </p:sp>
+    </p:spTree>
+    <p:extLst>
+      <p:ext uri="{BB962C8B-B14F-4D97-AF65-F5344CB8AC3E}">
+        <p14:creationId xmlns:p14="http://schemas.microsoft.com/office/powerpoint/2010/main" val="1227827769"/>
+      </p:ext>
+    </p:extLst>
+  </p:cSld>
+  <p:clrMapOvr>
+    <a:masterClrMapping/>
+  </p:clrMapOvr>
+</p:sld>
+</file>
+
+<file path=ppt/slides/slide2.xml><?xml version="1.0" encoding="utf-8"?>
+<p:sld xmlns:a="http://schemas.openxmlformats.org/drawingml/2006/main" xmlns:r="http://schemas.openxmlformats.org/officeDocument/2006/relationships" xmlns:p="http://schemas.openxmlformats.org/presentationml/2006/main">
+  <p:cSld>
+    <p:spTree>
+      <p:nvGrpSpPr>
+        <p:cNvPr id="1" name=""/>
+        <p:cNvGrpSpPr/>
+        <p:nvPr/>
+      </p:nvGrpSpPr>
+      <p:grpSpPr>
+        <a:xfrm>
+          <a:off x="0" y="0"/>
+          <a:ext cx="0" cy="0"/>
+          <a:chOff x="0" y="0"/>
+          <a:chExt cx="0" cy="0"/>
+        </a:xfrm>
+      </p:grpSpPr>
+      <p:sp>
+        <p:nvSpPr>
+          <p:cNvPr id="2" name="Title 1">
+            <a:extLst>
+              <a:ext uri="{FF2B5EF4-FFF2-40B4-BE49-F238E27FC236}">
+                <a16:creationId xmlns:a16="http://schemas.microsoft.com/office/drawing/2014/main" id="{7F9A64A5-4FFE-49F4-9D7A-6EAE7DFD7EAC}"/>
+              </a:ext>
+            </a:extLst>
+          </p:cNvPr>
+          <p:cNvSpPr>
+            <a:spLocks noGrp="1"/>
+          </p:cNvSpPr>
+          <p:nvPr>
+            <p:ph type="title"/>
+          </p:nvPr>
+        </p:nvSpPr>
+        <p:spPr/>
+        <p:txBody>
+          <a:bodyPr/>
+          <a:lstStyle/>
+          <a:p>
+            <a:r>
+              <a:rPr lang="en-US" dirty="0"/>
+              <a:t>Requirements</a:t>
+            </a:r>
+          </a:p>
+        </p:txBody>
+      </p:sp>
+      <p:sp>
+        <p:nvSpPr>
+          <p:cNvPr id="3" name="Content Placeholder 2">
+            <a:extLst>
+              <a:ext uri="{FF2B5EF4-FFF2-40B4-BE49-F238E27FC236}">
+                <a16:creationId xmlns:a16="http://schemas.microsoft.com/office/drawing/2014/main" id="{607C40ED-579D-48D8-91B3-0EB769B5CD6B}"/>
+              </a:ext>
+            </a:extLst>
+          </p:cNvPr>
+          <p:cNvSpPr>
+            <a:spLocks noGrp="1"/>
+          </p:cNvSpPr>
+          <p:nvPr>
+            <p:ph idx="1"/>
+          </p:nvPr>
+        </p:nvSpPr>
+        <p:spPr/>
+        <p:txBody>
+          <a:bodyPr/>
+          <a:lstStyle/>
+          <a:p>
+            <a:r>
+              <a:rPr lang="en-US" dirty="0"/>
+              <a:t>Employee Accounts: to see individual employee’s information</a:t>
+            </a:r>
+          </a:p>
+          <a:p>
+            <a:r>
+              <a:rPr lang="en-US" dirty="0"/>
+              <a:t>Supervisor Accounts: to see Supervisor information and to split up the types of employees that work for them by job.</a:t>
+            </a:r>
+          </a:p>
+          <a:p>
+            <a:r>
+              <a:rPr lang="en-US" dirty="0"/>
+              <a:t>Administrator Account: Able to add vehicles and delete vehicles. Able to add employees and delete employees.</a:t>
+            </a:r>
+          </a:p>
+        </p:txBody>
+      </p:sp>
+    </p:spTree>
+    <p:extLst>
+      <p:ext uri="{BB962C8B-B14F-4D97-AF65-F5344CB8AC3E}">
+        <p14:creationId xmlns:p14="http://schemas.microsoft.com/office/powerpoint/2010/main" val="919829443"/>
+      </p:ext>
+    </p:extLst>
+  </p:cSld>
+  <p:clrMapOvr>
+    <a:masterClrMapping/>
+  </p:clrMapOvr>
+</p:sld>
+</file>
+
+<file path=ppt/slides/slide3.xml><?xml version="1.0" encoding="utf-8"?>
+<p:sld xmlns:a="http://schemas.openxmlformats.org/drawingml/2006/main" xmlns:r="http://schemas.openxmlformats.org/officeDocument/2006/relationships" xmlns:p="http://schemas.openxmlformats.org/presentationml/2006/main">
+  <p:cSld>
+    <p:spTree>
+      <p:nvGrpSpPr>
+        <p:cNvPr id="1" name=""/>
+        <p:cNvGrpSpPr/>
+        <p:nvPr/>
+      </p:nvGrpSpPr>
+      <p:grpSpPr>
+        <a:xfrm>
+          <a:off x="0" y="0"/>
+          <a:ext cx="0" cy="0"/>
+          <a:chOff x="0" y="0"/>
+          <a:chExt cx="0" cy="0"/>
+        </a:xfrm>
+      </p:grpSpPr>
+      <p:sp>
+        <p:nvSpPr>
+          <p:cNvPr id="2" name="Title 1">
+            <a:extLst>
+              <a:ext uri="{FF2B5EF4-FFF2-40B4-BE49-F238E27FC236}">
                 <a16:creationId xmlns:a16="http://schemas.microsoft.com/office/drawing/2014/main" id="{C2EB671C-828B-4342-8758-E11D509C61A5}"/>
               </a:ext>
             </a:extLst>
@@ -6237,15 +6447,17 @@
           <a:p>
             <a:r>
               <a:rPr lang="en-US" dirty="0"/>
-              <a:t>Everyone should be able to see contact information of </a:t>
-            </a:r>
-            <a:r>
-              <a:rPr lang="en-US"/>
-              <a:t>the company</a:t>
-            </a:r>
-          </a:p>
-          <a:p>
-            <a:endParaRPr lang="en-US"/>
+              <a:t>Everyone should be able to see contact information of the company</a:t>
+            </a:r>
+          </a:p>
+          <a:p>
+            <a:r>
+              <a:rPr lang="en-US" dirty="0"/>
+              <a:t>Everyone should be able to submit a complaint </a:t>
+            </a:r>
+          </a:p>
+          <a:p>
+            <a:endParaRPr lang="en-US" dirty="0"/>
           </a:p>
         </p:txBody>
       </p:sp>
@@ -6262,7 +6474,7 @@
 </p:sld>
 </file>
 
-<file path=ppt/slides/slide2.xml><?xml version="1.0" encoding="utf-8"?>
+<file path=ppt/slides/slide4.xml><?xml version="1.0" encoding="utf-8"?>
 <p:sld xmlns:a="http://schemas.openxmlformats.org/drawingml/2006/main" xmlns:r="http://schemas.openxmlformats.org/officeDocument/2006/relationships" xmlns:p="http://schemas.openxmlformats.org/presentationml/2006/main">
   <p:cSld>
     <p:spTree>
@@ -6367,7 +6579,7 @@
 </p:sld>
 </file>
 
-<file path=ppt/slides/slide3.xml><?xml version="1.0" encoding="utf-8"?>
+<file path=ppt/slides/slide5.xml><?xml version="1.0" encoding="utf-8"?>
 <p:sld xmlns:a="http://schemas.openxmlformats.org/drawingml/2006/main" xmlns:r="http://schemas.openxmlformats.org/officeDocument/2006/relationships" xmlns:p="http://schemas.openxmlformats.org/presentationml/2006/main">
   <p:cSld>
     <p:spTree>
@@ -6472,7 +6684,7 @@
 </p:sld>
 </file>
 
-<file path=ppt/slides/slide4.xml><?xml version="1.0" encoding="utf-8"?>
+<file path=ppt/slides/slide6.xml><?xml version="1.0" encoding="utf-8"?>
 <p:sld xmlns:a="http://schemas.openxmlformats.org/drawingml/2006/main" xmlns:r="http://schemas.openxmlformats.org/officeDocument/2006/relationships" xmlns:p="http://schemas.openxmlformats.org/presentationml/2006/main">
   <p:cSld>
     <p:spTree>
@@ -6577,7 +6789,7 @@
 </p:sld>
 </file>
 
-<file path=ppt/slides/slide5.xml><?xml version="1.0" encoding="utf-8"?>
+<file path=ppt/slides/slide7.xml><?xml version="1.0" encoding="utf-8"?>
 <p:sld xmlns:a="http://schemas.openxmlformats.org/drawingml/2006/main" xmlns:r="http://schemas.openxmlformats.org/officeDocument/2006/relationships" xmlns:p="http://schemas.openxmlformats.org/presentationml/2006/main">
   <p:cSld>
     <p:spTree>
@@ -6682,7 +6894,7 @@
 </p:sld>
 </file>
 
-<file path=ppt/slides/slide6.xml><?xml version="1.0" encoding="utf-8"?>
+<file path=ppt/slides/slide8.xml><?xml version="1.0" encoding="utf-8"?>
 <p:sld xmlns:a="http://schemas.openxmlformats.org/drawingml/2006/main" xmlns:r="http://schemas.openxmlformats.org/officeDocument/2006/relationships" xmlns:p="http://schemas.openxmlformats.org/presentationml/2006/main">
   <p:cSld>
     <p:spTree>
@@ -6787,7 +6999,7 @@
 </p:sld>
 </file>
 
-<file path=ppt/slides/slide7.xml><?xml version="1.0" encoding="utf-8"?>
+<file path=ppt/slides/slide9.xml><?xml version="1.0" encoding="utf-8"?>
 <p:sld xmlns:a="http://schemas.openxmlformats.org/drawingml/2006/main" xmlns:r="http://schemas.openxmlformats.org/officeDocument/2006/relationships" xmlns:p="http://schemas.openxmlformats.org/presentationml/2006/main">
   <p:cSld>
     <p:spTree>
@@ -6883,216 +7095,6 @@
     <p:extLst>
       <p:ext uri="{BB962C8B-B14F-4D97-AF65-F5344CB8AC3E}">
         <p14:creationId xmlns:p14="http://schemas.microsoft.com/office/powerpoint/2010/main" val="3614216884"/>
-      </p:ext>
-    </p:extLst>
-  </p:cSld>
-  <p:clrMapOvr>
-    <a:masterClrMapping/>
-  </p:clrMapOvr>
-</p:sld>
-</file>
-
-<file path=ppt/slides/slide8.xml><?xml version="1.0" encoding="utf-8"?>
-<p:sld xmlns:a="http://schemas.openxmlformats.org/drawingml/2006/main" xmlns:r="http://schemas.openxmlformats.org/officeDocument/2006/relationships" xmlns:p="http://schemas.openxmlformats.org/presentationml/2006/main">
-  <p:cSld>
-    <p:spTree>
-      <p:nvGrpSpPr>
-        <p:cNvPr id="1" name=""/>
-        <p:cNvGrpSpPr/>
-        <p:nvPr/>
-      </p:nvGrpSpPr>
-      <p:grpSpPr>
-        <a:xfrm>
-          <a:off x="0" y="0"/>
-          <a:ext cx="0" cy="0"/>
-          <a:chOff x="0" y="0"/>
-          <a:chExt cx="0" cy="0"/>
-        </a:xfrm>
-      </p:grpSpPr>
-      <p:sp>
-        <p:nvSpPr>
-          <p:cNvPr id="2" name="Title 1">
-            <a:extLst>
-              <a:ext uri="{FF2B5EF4-FFF2-40B4-BE49-F238E27FC236}">
-                <a16:creationId xmlns:a16="http://schemas.microsoft.com/office/drawing/2014/main" id="{17A5973E-93F3-4A67-94C6-13130B6BEAAC}"/>
-              </a:ext>
-            </a:extLst>
-          </p:cNvPr>
-          <p:cNvSpPr>
-            <a:spLocks noGrp="1"/>
-          </p:cNvSpPr>
-          <p:nvPr>
-            <p:ph type="title"/>
-          </p:nvPr>
-        </p:nvSpPr>
-        <p:spPr/>
-        <p:txBody>
-          <a:bodyPr/>
-          <a:lstStyle/>
-          <a:p>
-            <a:r>
-              <a:rPr lang="en-US" dirty="0"/>
-              <a:t>IntelliJ IDEA Community</a:t>
-            </a:r>
-          </a:p>
-        </p:txBody>
-      </p:sp>
-      <p:pic>
-        <p:nvPicPr>
-          <p:cNvPr id="6146" name="Picture 2" descr="https://pbs.twimg.com/profile_images/803204448675856388/6eqoPNuy.jpg">
-            <a:extLst>
-              <a:ext uri="{FF2B5EF4-FFF2-40B4-BE49-F238E27FC236}">
-                <a16:creationId xmlns:a16="http://schemas.microsoft.com/office/drawing/2014/main" id="{85DBE8BA-D23E-4033-8C6B-9D54BF51D4B9}"/>
-              </a:ext>
-            </a:extLst>
-          </p:cNvPr>
-          <p:cNvPicPr>
-            <a:picLocks noChangeAspect="1" noChangeArrowheads="1"/>
-          </p:cNvPicPr>
-          <p:nvPr/>
-        </p:nvPicPr>
-        <p:blipFill>
-          <a:blip r:embed="rId2">
-            <a:extLst>
-              <a:ext uri="{28A0092B-C50C-407E-A947-70E740481C1C}">
-                <a14:useLocalDpi xmlns:a14="http://schemas.microsoft.com/office/drawing/2010/main" val="0"/>
-              </a:ext>
-            </a:extLst>
-          </a:blip>
-          <a:srcRect/>
-          <a:stretch>
-            <a:fillRect/>
-          </a:stretch>
-        </p:blipFill>
-        <p:spPr bwMode="auto">
-          <a:xfrm>
-            <a:off x="4357687" y="2609849"/>
-            <a:ext cx="3476625" cy="3476625"/>
-          </a:xfrm>
-          <a:prstGeom prst="rect">
-            <a:avLst/>
-          </a:prstGeom>
-          <a:noFill/>
-          <a:extLst>
-            <a:ext uri="{909E8E84-426E-40DD-AFC4-6F175D3DCCD1}">
-              <a14:hiddenFill xmlns:a14="http://schemas.microsoft.com/office/drawing/2010/main">
-                <a:solidFill>
-                  <a:srgbClr val="FFFFFF"/>
-                </a:solidFill>
-              </a14:hiddenFill>
-            </a:ext>
-          </a:extLst>
-        </p:spPr>
-      </p:pic>
-    </p:spTree>
-    <p:extLst>
-      <p:ext uri="{BB962C8B-B14F-4D97-AF65-F5344CB8AC3E}">
-        <p14:creationId xmlns:p14="http://schemas.microsoft.com/office/powerpoint/2010/main" val="690931227"/>
-      </p:ext>
-    </p:extLst>
-  </p:cSld>
-  <p:clrMapOvr>
-    <a:masterClrMapping/>
-  </p:clrMapOvr>
-</p:sld>
-</file>
-
-<file path=ppt/slides/slide9.xml><?xml version="1.0" encoding="utf-8"?>
-<p:sld xmlns:a="http://schemas.openxmlformats.org/drawingml/2006/main" xmlns:r="http://schemas.openxmlformats.org/officeDocument/2006/relationships" xmlns:p="http://schemas.openxmlformats.org/presentationml/2006/main">
-  <p:cSld>
-    <p:spTree>
-      <p:nvGrpSpPr>
-        <p:cNvPr id="1" name=""/>
-        <p:cNvGrpSpPr/>
-        <p:nvPr/>
-      </p:nvGrpSpPr>
-      <p:grpSpPr>
-        <a:xfrm>
-          <a:off x="0" y="0"/>
-          <a:ext cx="0" cy="0"/>
-          <a:chOff x="0" y="0"/>
-          <a:chExt cx="0" cy="0"/>
-        </a:xfrm>
-      </p:grpSpPr>
-      <p:sp>
-        <p:nvSpPr>
-          <p:cNvPr id="2" name="Title 1">
-            <a:extLst>
-              <a:ext uri="{FF2B5EF4-FFF2-40B4-BE49-F238E27FC236}">
-                <a16:creationId xmlns:a16="http://schemas.microsoft.com/office/drawing/2014/main" id="{0BA865E3-419F-4371-A42F-4D7FC3393DEB}"/>
-              </a:ext>
-            </a:extLst>
-          </p:cNvPr>
-          <p:cNvSpPr>
-            <a:spLocks noGrp="1"/>
-          </p:cNvSpPr>
-          <p:nvPr>
-            <p:ph type="title"/>
-          </p:nvPr>
-        </p:nvSpPr>
-        <p:spPr/>
-        <p:txBody>
-          <a:bodyPr/>
-          <a:lstStyle/>
-          <a:p>
-            <a:r>
-              <a:rPr lang="en-US" dirty="0"/>
-              <a:t>Get Ready to be Wowed !!!</a:t>
-            </a:r>
-          </a:p>
-        </p:txBody>
-      </p:sp>
-      <p:pic>
-        <p:nvPicPr>
-          <p:cNvPr id="7170" name="Picture 2" descr="https://i.pinimg.com/736x/f7/2a/9d/f72a9dd93af69e6df26cd910f463a74d--happy-puppy-happy-dogs.jpg">
-            <a:extLst>
-              <a:ext uri="{FF2B5EF4-FFF2-40B4-BE49-F238E27FC236}">
-                <a16:creationId xmlns:a16="http://schemas.microsoft.com/office/drawing/2014/main" id="{3CA5F437-D44A-4ACB-AA05-5AB4A2C67791}"/>
-              </a:ext>
-            </a:extLst>
-          </p:cNvPr>
-          <p:cNvPicPr>
-            <a:picLocks noChangeAspect="1" noChangeArrowheads="1"/>
-          </p:cNvPicPr>
-          <p:nvPr/>
-        </p:nvPicPr>
-        <p:blipFill>
-          <a:blip r:embed="rId2">
-            <a:extLst>
-              <a:ext uri="{28A0092B-C50C-407E-A947-70E740481C1C}">
-                <a14:useLocalDpi xmlns:a14="http://schemas.microsoft.com/office/drawing/2010/main" val="0"/>
-              </a:ext>
-            </a:extLst>
-          </a:blip>
-          <a:srcRect/>
-          <a:stretch>
-            <a:fillRect/>
-          </a:stretch>
-        </p:blipFill>
-        <p:spPr bwMode="auto">
-          <a:xfrm>
-            <a:off x="4765622" y="2476500"/>
-            <a:ext cx="2660756" cy="3543300"/>
-          </a:xfrm>
-          <a:prstGeom prst="rect">
-            <a:avLst/>
-          </a:prstGeom>
-          <a:noFill/>
-          <a:extLst>
-            <a:ext uri="{909E8E84-426E-40DD-AFC4-6F175D3DCCD1}">
-              <a14:hiddenFill xmlns:a14="http://schemas.microsoft.com/office/drawing/2010/main">
-                <a:solidFill>
-                  <a:srgbClr val="FFFFFF"/>
-                </a:solidFill>
-              </a14:hiddenFill>
-            </a:ext>
-          </a:extLst>
-        </p:spPr>
-      </p:pic>
-    </p:spTree>
-    <p:extLst>
-      <p:ext uri="{BB962C8B-B14F-4D97-AF65-F5344CB8AC3E}">
-        <p14:creationId xmlns:p14="http://schemas.microsoft.com/office/powerpoint/2010/main" val="1185581462"/>
       </p:ext>
     </p:extLst>
   </p:cSld>
